--- a/02Basics.pptx
+++ b/02Basics.pptx
@@ -208,7 +208,7 @@
           <a:p>
             <a:fld id="{86035F98-A1BD-4CEA-97BE-8B0B3D35457A}" type="datetimeFigureOut">
               <a:rPr lang="de-DE" smtClean="0"/>
-              <a:t>04.06.2018</a:t>
+              <a:t>05.06.2018</a:t>
             </a:fld>
             <a:endParaRPr lang="de-DE"/>
           </a:p>
@@ -1165,7 +1165,7 @@
           <a:p>
             <a:fld id="{D92B96C3-1F42-476F-BF68-0478C74608EE}" type="datetimeFigureOut">
               <a:rPr lang="de-DE" smtClean="0"/>
-              <a:t>04.06.2018</a:t>
+              <a:t>05.06.2018</a:t>
             </a:fld>
             <a:endParaRPr lang="de-DE"/>
           </a:p>
@@ -1333,7 +1333,7 @@
           <a:p>
             <a:fld id="{D92B96C3-1F42-476F-BF68-0478C74608EE}" type="datetimeFigureOut">
               <a:rPr lang="de-DE" smtClean="0"/>
-              <a:t>04.06.2018</a:t>
+              <a:t>05.06.2018</a:t>
             </a:fld>
             <a:endParaRPr lang="de-DE"/>
           </a:p>
@@ -1511,7 +1511,7 @@
           <a:p>
             <a:fld id="{D92B96C3-1F42-476F-BF68-0478C74608EE}" type="datetimeFigureOut">
               <a:rPr lang="de-DE" smtClean="0"/>
-              <a:t>04.06.2018</a:t>
+              <a:t>05.06.2018</a:t>
             </a:fld>
             <a:endParaRPr lang="de-DE"/>
           </a:p>
@@ -1679,7 +1679,7 @@
           <a:p>
             <a:fld id="{D92B96C3-1F42-476F-BF68-0478C74608EE}" type="datetimeFigureOut">
               <a:rPr lang="de-DE" smtClean="0"/>
-              <a:t>04.06.2018</a:t>
+              <a:t>05.06.2018</a:t>
             </a:fld>
             <a:endParaRPr lang="de-DE"/>
           </a:p>
@@ -1924,7 +1924,7 @@
           <a:p>
             <a:fld id="{D92B96C3-1F42-476F-BF68-0478C74608EE}" type="datetimeFigureOut">
               <a:rPr lang="de-DE" smtClean="0"/>
-              <a:t>04.06.2018</a:t>
+              <a:t>05.06.2018</a:t>
             </a:fld>
             <a:endParaRPr lang="de-DE"/>
           </a:p>
@@ -2153,7 +2153,7 @@
           <a:p>
             <a:fld id="{D92B96C3-1F42-476F-BF68-0478C74608EE}" type="datetimeFigureOut">
               <a:rPr lang="de-DE" smtClean="0"/>
-              <a:t>04.06.2018</a:t>
+              <a:t>05.06.2018</a:t>
             </a:fld>
             <a:endParaRPr lang="de-DE"/>
           </a:p>
@@ -2517,7 +2517,7 @@
           <a:p>
             <a:fld id="{D92B96C3-1F42-476F-BF68-0478C74608EE}" type="datetimeFigureOut">
               <a:rPr lang="de-DE" smtClean="0"/>
-              <a:t>04.06.2018</a:t>
+              <a:t>05.06.2018</a:t>
             </a:fld>
             <a:endParaRPr lang="de-DE"/>
           </a:p>
@@ -2634,7 +2634,7 @@
           <a:p>
             <a:fld id="{D92B96C3-1F42-476F-BF68-0478C74608EE}" type="datetimeFigureOut">
               <a:rPr lang="de-DE" smtClean="0"/>
-              <a:t>04.06.2018</a:t>
+              <a:t>05.06.2018</a:t>
             </a:fld>
             <a:endParaRPr lang="de-DE"/>
           </a:p>
@@ -2729,7 +2729,7 @@
           <a:p>
             <a:fld id="{D92B96C3-1F42-476F-BF68-0478C74608EE}" type="datetimeFigureOut">
               <a:rPr lang="de-DE" smtClean="0"/>
-              <a:t>04.06.2018</a:t>
+              <a:t>05.06.2018</a:t>
             </a:fld>
             <a:endParaRPr lang="de-DE"/>
           </a:p>
@@ -3004,7 +3004,7 @@
           <a:p>
             <a:fld id="{D92B96C3-1F42-476F-BF68-0478C74608EE}" type="datetimeFigureOut">
               <a:rPr lang="de-DE" smtClean="0"/>
-              <a:t>04.06.2018</a:t>
+              <a:t>05.06.2018</a:t>
             </a:fld>
             <a:endParaRPr lang="de-DE"/>
           </a:p>
@@ -3256,7 +3256,7 @@
           <a:p>
             <a:fld id="{D92B96C3-1F42-476F-BF68-0478C74608EE}" type="datetimeFigureOut">
               <a:rPr lang="de-DE" smtClean="0"/>
-              <a:t>04.06.2018</a:t>
+              <a:t>05.06.2018</a:t>
             </a:fld>
             <a:endParaRPr lang="de-DE"/>
           </a:p>
@@ -3467,7 +3467,7 @@
           <a:p>
             <a:fld id="{D92B96C3-1F42-476F-BF68-0478C74608EE}" type="datetimeFigureOut">
               <a:rPr lang="de-DE" smtClean="0"/>
-              <a:t>04.06.2018</a:t>
+              <a:t>05.06.2018</a:t>
             </a:fld>
             <a:endParaRPr lang="de-DE"/>
           </a:p>
@@ -4227,11 +4227,7 @@
             </a:r>
             <a:r>
               <a:rPr lang="de-DE" dirty="0" smtClean="0"/>
-              <a:t>+</a:t>
-            </a:r>
-            <a:r>
-              <a:rPr lang="de-DE" dirty="0" smtClean="0"/>
-              <a:t>Port</a:t>
+              <a:t>+Port</a:t>
             </a:r>
           </a:p>
           <a:p>
@@ -4247,7 +4243,6 @@
               <a:rPr lang="de-DE" dirty="0" smtClean="0"/>
               <a:t>http.sys</a:t>
             </a:r>
-            <a:endParaRPr lang="de-DE" dirty="0" smtClean="0"/>
           </a:p>
           <a:p>
             <a:r>
@@ -5896,7 +5891,9 @@
         </p:nvSpPr>
         <p:spPr/>
         <p:txBody>
-          <a:bodyPr/>
+          <a:bodyPr>
+            <a:normAutofit lnSpcReduction="10000"/>
+          </a:bodyPr>
           <a:lstStyle/>
           <a:p>
             <a:r>
@@ -5915,6 +5912,14 @@
               <a:rPr lang="de-DE" dirty="0" smtClean="0"/>
               <a:t>ADO.NET</a:t>
             </a:r>
+          </a:p>
+          <a:p>
+            <a:pPr lvl="1"/>
+            <a:r>
+              <a:rPr lang="de-DE" dirty="0" smtClean="0"/>
+              <a:t>Entity Framework</a:t>
+            </a:r>
+            <a:endParaRPr lang="de-DE" dirty="0" smtClean="0"/>
           </a:p>
           <a:p>
             <a:r>
